--- a/Split_fed/10_22.pptx
+++ b/Split_fed/10_22.pptx
@@ -5,15 +5,15 @@
     <p:sldMasterId id="2147483648" r:id="rId1"/>
   </p:sldMasterIdLst>
   <p:notesMasterIdLst>
-    <p:notesMasterId r:id="rId8"/>
+    <p:notesMasterId r:id="rId4"/>
   </p:notesMasterIdLst>
   <p:sldIdLst>
-    <p:sldId id="267" r:id="rId2"/>
-    <p:sldId id="266" r:id="rId3"/>
-    <p:sldId id="400" r:id="rId4"/>
-    <p:sldId id="415" r:id="rId5"/>
-    <p:sldId id="311" r:id="rId6"/>
-    <p:sldId id="275" r:id="rId7"/>
+    <p:sldId id="267" r:id="rId3"/>
+    <p:sldId id="266" r:id="rId5"/>
+    <p:sldId id="400" r:id="rId6"/>
+    <p:sldId id="415" r:id="rId7"/>
+    <p:sldId id="311" r:id="rId8"/>
+    <p:sldId id="275" r:id="rId9"/>
   </p:sldIdLst>
   <p:sldSz cx="12192000" cy="6858000"/>
   <p:notesSz cx="6858000" cy="9144000"/>
@@ -112,11 +112,6 @@
       </a:defRPr>
     </a:lvl9pPr>
   </p:defaultTextStyle>
-  <p:extLst>
-    <p:ext uri="{EFAFB233-063F-42B5-8137-9DF3F51BA10A}">
-      <p15:sldGuideLst xmlns:p15="http://schemas.microsoft.com/office/powerpoint/2012/main"/>
-    </p:ext>
-  </p:extLst>
 </p:presentation>
 </file>
 
@@ -202,7 +197,6 @@
           <a:p>
             <a:fld id="{D2A48B96-639E-45A3-A0BA-2464DFDB1FAA}" type="datetimeFigureOut">
               <a:rPr lang="zh-CN" altLang="en-US" smtClean="0"/>
-              <a:t>2023/10/22</a:t>
             </a:fld>
             <a:endParaRPr lang="zh-CN" altLang="en-US"/>
           </a:p>
@@ -269,6 +263,7 @@
               <a:rPr lang="zh-CN" altLang="en-US"/>
               <a:t>单击此处编辑母版文本样式</a:t>
             </a:r>
+            <a:endParaRPr lang="zh-CN" altLang="en-US"/>
           </a:p>
           <a:p>
             <a:pPr lvl="1"/>
@@ -276,6 +271,7 @@
               <a:rPr lang="zh-CN" altLang="en-US"/>
               <a:t>第二级</a:t>
             </a:r>
+            <a:endParaRPr lang="zh-CN" altLang="en-US"/>
           </a:p>
           <a:p>
             <a:pPr lvl="2"/>
@@ -283,6 +279,7 @@
               <a:rPr lang="zh-CN" altLang="en-US"/>
               <a:t>第三级</a:t>
             </a:r>
+            <a:endParaRPr lang="zh-CN" altLang="en-US"/>
           </a:p>
           <a:p>
             <a:pPr lvl="3"/>
@@ -290,6 +287,7 @@
               <a:rPr lang="zh-CN" altLang="en-US"/>
               <a:t>第四级</a:t>
             </a:r>
+            <a:endParaRPr lang="zh-CN" altLang="en-US"/>
           </a:p>
           <a:p>
             <a:pPr lvl="4"/>
@@ -297,6 +295,7 @@
               <a:rPr lang="zh-CN" altLang="en-US"/>
               <a:t>第五级</a:t>
             </a:r>
+            <a:endParaRPr lang="zh-CN" altLang="en-US"/>
           </a:p>
         </p:txBody>
       </p:sp>
@@ -360,7 +359,6 @@
           <a:p>
             <a:fld id="{A6837353-30EB-4A48-80EB-173D804AEFBD}" type="slidenum">
               <a:rPr lang="zh-CN" altLang="en-US" smtClean="0"/>
-              <a:t>‹#›</a:t>
             </a:fld>
             <a:endParaRPr lang="zh-CN" altLang="en-US"/>
           </a:p>
@@ -565,6 +563,7 @@
               <a:rPr lang="zh-CN" altLang="en-US"/>
               <a:t>单击此处编辑母版标题样式</a:t>
             </a:r>
+            <a:endParaRPr lang="zh-CN" altLang="en-US"/>
           </a:p>
         </p:txBody>
       </p:sp>
@@ -629,6 +628,7 @@
               <a:rPr lang="zh-CN" altLang="en-US"/>
               <a:t>单击此处编辑母版副标题样式</a:t>
             </a:r>
+            <a:endParaRPr lang="zh-CN" altLang="en-US"/>
           </a:p>
         </p:txBody>
       </p:sp>
@@ -649,7 +649,6 @@
           <a:p>
             <a:fld id="{AF3DFB88-C66D-4D4F-992A-21D8B5C2FC83}" type="datetimeFigureOut">
               <a:rPr lang="zh-CN" altLang="en-US" smtClean="0"/>
-              <a:t>2023/10/22</a:t>
             </a:fld>
             <a:endParaRPr lang="zh-CN" altLang="en-US"/>
           </a:p>
@@ -691,7 +690,6 @@
           <a:p>
             <a:fld id="{1D393944-DC62-4081-86B4-76E5FCA2F9B8}" type="slidenum">
               <a:rPr lang="zh-CN" altLang="en-US" smtClean="0"/>
-              <a:t>‹#›</a:t>
             </a:fld>
             <a:endParaRPr lang="zh-CN" altLang="en-US"/>
           </a:p>
@@ -741,6 +739,7 @@
               <a:rPr lang="zh-CN" altLang="en-US"/>
               <a:t>单击此处编辑母版标题样式</a:t>
             </a:r>
+            <a:endParaRPr lang="zh-CN" altLang="en-US"/>
           </a:p>
         </p:txBody>
       </p:sp>
@@ -764,6 +763,7 @@
               <a:rPr lang="zh-CN" altLang="en-US"/>
               <a:t>编辑母版文本样式</a:t>
             </a:r>
+            <a:endParaRPr lang="zh-CN" altLang="en-US"/>
           </a:p>
           <a:p>
             <a:pPr lvl="1"/>
@@ -771,6 +771,7 @@
               <a:rPr lang="zh-CN" altLang="en-US"/>
               <a:t>第二级</a:t>
             </a:r>
+            <a:endParaRPr lang="zh-CN" altLang="en-US"/>
           </a:p>
           <a:p>
             <a:pPr lvl="2"/>
@@ -778,6 +779,7 @@
               <a:rPr lang="zh-CN" altLang="en-US"/>
               <a:t>第三级</a:t>
             </a:r>
+            <a:endParaRPr lang="zh-CN" altLang="en-US"/>
           </a:p>
           <a:p>
             <a:pPr lvl="3"/>
@@ -785,6 +787,7 @@
               <a:rPr lang="zh-CN" altLang="en-US"/>
               <a:t>第四级</a:t>
             </a:r>
+            <a:endParaRPr lang="zh-CN" altLang="en-US"/>
           </a:p>
           <a:p>
             <a:pPr lvl="4"/>
@@ -792,6 +795,7 @@
               <a:rPr lang="zh-CN" altLang="en-US"/>
               <a:t>第五级</a:t>
             </a:r>
+            <a:endParaRPr lang="zh-CN" altLang="en-US"/>
           </a:p>
         </p:txBody>
       </p:sp>
@@ -812,7 +816,6 @@
           <a:p>
             <a:fld id="{AF3DFB88-C66D-4D4F-992A-21D8B5C2FC83}" type="datetimeFigureOut">
               <a:rPr lang="zh-CN" altLang="en-US" smtClean="0"/>
-              <a:t>2023/10/22</a:t>
             </a:fld>
             <a:endParaRPr lang="zh-CN" altLang="en-US"/>
           </a:p>
@@ -854,7 +857,6 @@
           <a:p>
             <a:fld id="{1D393944-DC62-4081-86B4-76E5FCA2F9B8}" type="slidenum">
               <a:rPr lang="zh-CN" altLang="en-US" smtClean="0"/>
-              <a:t>‹#›</a:t>
             </a:fld>
             <a:endParaRPr lang="zh-CN" altLang="en-US"/>
           </a:p>
@@ -909,6 +911,7 @@
               <a:rPr lang="zh-CN" altLang="en-US"/>
               <a:t>单击此处编辑母版标题样式</a:t>
             </a:r>
+            <a:endParaRPr lang="zh-CN" altLang="en-US"/>
           </a:p>
         </p:txBody>
       </p:sp>
@@ -937,6 +940,7 @@
               <a:rPr lang="zh-CN" altLang="en-US"/>
               <a:t>编辑母版文本样式</a:t>
             </a:r>
+            <a:endParaRPr lang="zh-CN" altLang="en-US"/>
           </a:p>
           <a:p>
             <a:pPr lvl="1"/>
@@ -944,6 +948,7 @@
               <a:rPr lang="zh-CN" altLang="en-US"/>
               <a:t>第二级</a:t>
             </a:r>
+            <a:endParaRPr lang="zh-CN" altLang="en-US"/>
           </a:p>
           <a:p>
             <a:pPr lvl="2"/>
@@ -951,6 +956,7 @@
               <a:rPr lang="zh-CN" altLang="en-US"/>
               <a:t>第三级</a:t>
             </a:r>
+            <a:endParaRPr lang="zh-CN" altLang="en-US"/>
           </a:p>
           <a:p>
             <a:pPr lvl="3"/>
@@ -958,6 +964,7 @@
               <a:rPr lang="zh-CN" altLang="en-US"/>
               <a:t>第四级</a:t>
             </a:r>
+            <a:endParaRPr lang="zh-CN" altLang="en-US"/>
           </a:p>
           <a:p>
             <a:pPr lvl="4"/>
@@ -965,6 +972,7 @@
               <a:rPr lang="zh-CN" altLang="en-US"/>
               <a:t>第五级</a:t>
             </a:r>
+            <a:endParaRPr lang="zh-CN" altLang="en-US"/>
           </a:p>
         </p:txBody>
       </p:sp>
@@ -985,7 +993,6 @@
           <a:p>
             <a:fld id="{AF3DFB88-C66D-4D4F-992A-21D8B5C2FC83}" type="datetimeFigureOut">
               <a:rPr lang="zh-CN" altLang="en-US" smtClean="0"/>
-              <a:t>2023/10/22</a:t>
             </a:fld>
             <a:endParaRPr lang="zh-CN" altLang="en-US"/>
           </a:p>
@@ -1027,7 +1034,6 @@
           <a:p>
             <a:fld id="{1D393944-DC62-4081-86B4-76E5FCA2F9B8}" type="slidenum">
               <a:rPr lang="zh-CN" altLang="en-US" smtClean="0"/>
-              <a:t>‹#›</a:t>
             </a:fld>
             <a:endParaRPr lang="zh-CN" altLang="en-US"/>
           </a:p>
@@ -1077,6 +1083,7 @@
               <a:rPr lang="zh-CN" altLang="en-US"/>
               <a:t>单击此处编辑母版标题样式</a:t>
             </a:r>
+            <a:endParaRPr lang="zh-CN" altLang="en-US"/>
           </a:p>
         </p:txBody>
       </p:sp>
@@ -1100,6 +1107,7 @@
               <a:rPr lang="zh-CN" altLang="en-US"/>
               <a:t>编辑母版文本样式</a:t>
             </a:r>
+            <a:endParaRPr lang="zh-CN" altLang="en-US"/>
           </a:p>
           <a:p>
             <a:pPr lvl="1"/>
@@ -1107,6 +1115,7 @@
               <a:rPr lang="zh-CN" altLang="en-US"/>
               <a:t>第二级</a:t>
             </a:r>
+            <a:endParaRPr lang="zh-CN" altLang="en-US"/>
           </a:p>
           <a:p>
             <a:pPr lvl="2"/>
@@ -1114,6 +1123,7 @@
               <a:rPr lang="zh-CN" altLang="en-US"/>
               <a:t>第三级</a:t>
             </a:r>
+            <a:endParaRPr lang="zh-CN" altLang="en-US"/>
           </a:p>
           <a:p>
             <a:pPr lvl="3"/>
@@ -1121,6 +1131,7 @@
               <a:rPr lang="zh-CN" altLang="en-US"/>
               <a:t>第四级</a:t>
             </a:r>
+            <a:endParaRPr lang="zh-CN" altLang="en-US"/>
           </a:p>
           <a:p>
             <a:pPr lvl="4"/>
@@ -1128,6 +1139,7 @@
               <a:rPr lang="zh-CN" altLang="en-US"/>
               <a:t>第五级</a:t>
             </a:r>
+            <a:endParaRPr lang="zh-CN" altLang="en-US"/>
           </a:p>
         </p:txBody>
       </p:sp>
@@ -1148,7 +1160,6 @@
           <a:p>
             <a:fld id="{AF3DFB88-C66D-4D4F-992A-21D8B5C2FC83}" type="datetimeFigureOut">
               <a:rPr lang="zh-CN" altLang="en-US" smtClean="0"/>
-              <a:t>2023/10/22</a:t>
             </a:fld>
             <a:endParaRPr lang="zh-CN" altLang="en-US"/>
           </a:p>
@@ -1190,7 +1201,6 @@
           <a:p>
             <a:fld id="{1D393944-DC62-4081-86B4-76E5FCA2F9B8}" type="slidenum">
               <a:rPr lang="zh-CN" altLang="en-US" smtClean="0"/>
-              <a:t>‹#›</a:t>
             </a:fld>
             <a:endParaRPr lang="zh-CN" altLang="en-US"/>
           </a:p>
@@ -1249,6 +1259,7 @@
               <a:rPr lang="zh-CN" altLang="en-US"/>
               <a:t>单击此处编辑母版标题样式</a:t>
             </a:r>
+            <a:endParaRPr lang="zh-CN" altLang="en-US"/>
           </a:p>
         </p:txBody>
       </p:sp>
@@ -1368,6 +1379,7 @@
               <a:rPr lang="zh-CN" altLang="en-US"/>
               <a:t>编辑母版文本样式</a:t>
             </a:r>
+            <a:endParaRPr lang="zh-CN" altLang="en-US"/>
           </a:p>
         </p:txBody>
       </p:sp>
@@ -1388,7 +1400,6 @@
           <a:p>
             <a:fld id="{AF3DFB88-C66D-4D4F-992A-21D8B5C2FC83}" type="datetimeFigureOut">
               <a:rPr lang="zh-CN" altLang="en-US" smtClean="0"/>
-              <a:t>2023/10/22</a:t>
             </a:fld>
             <a:endParaRPr lang="zh-CN" altLang="en-US"/>
           </a:p>
@@ -1430,7 +1441,6 @@
           <a:p>
             <a:fld id="{1D393944-DC62-4081-86B4-76E5FCA2F9B8}" type="slidenum">
               <a:rPr lang="zh-CN" altLang="en-US" smtClean="0"/>
-              <a:t>‹#›</a:t>
             </a:fld>
             <a:endParaRPr lang="zh-CN" altLang="en-US"/>
           </a:p>
@@ -1480,6 +1490,7 @@
               <a:rPr lang="zh-CN" altLang="en-US"/>
               <a:t>单击此处编辑母版标题样式</a:t>
             </a:r>
+            <a:endParaRPr lang="zh-CN" altLang="en-US"/>
           </a:p>
         </p:txBody>
       </p:sp>
@@ -1508,6 +1519,7 @@
               <a:rPr lang="zh-CN" altLang="en-US"/>
               <a:t>编辑母版文本样式</a:t>
             </a:r>
+            <a:endParaRPr lang="zh-CN" altLang="en-US"/>
           </a:p>
           <a:p>
             <a:pPr lvl="1"/>
@@ -1515,6 +1527,7 @@
               <a:rPr lang="zh-CN" altLang="en-US"/>
               <a:t>第二级</a:t>
             </a:r>
+            <a:endParaRPr lang="zh-CN" altLang="en-US"/>
           </a:p>
           <a:p>
             <a:pPr lvl="2"/>
@@ -1522,6 +1535,7 @@
               <a:rPr lang="zh-CN" altLang="en-US"/>
               <a:t>第三级</a:t>
             </a:r>
+            <a:endParaRPr lang="zh-CN" altLang="en-US"/>
           </a:p>
           <a:p>
             <a:pPr lvl="3"/>
@@ -1529,6 +1543,7 @@
               <a:rPr lang="zh-CN" altLang="en-US"/>
               <a:t>第四级</a:t>
             </a:r>
+            <a:endParaRPr lang="zh-CN" altLang="en-US"/>
           </a:p>
           <a:p>
             <a:pPr lvl="4"/>
@@ -1536,6 +1551,7 @@
               <a:rPr lang="zh-CN" altLang="en-US"/>
               <a:t>第五级</a:t>
             </a:r>
+            <a:endParaRPr lang="zh-CN" altLang="en-US"/>
           </a:p>
         </p:txBody>
       </p:sp>
@@ -1564,6 +1580,7 @@
               <a:rPr lang="zh-CN" altLang="en-US"/>
               <a:t>编辑母版文本样式</a:t>
             </a:r>
+            <a:endParaRPr lang="zh-CN" altLang="en-US"/>
           </a:p>
           <a:p>
             <a:pPr lvl="1"/>
@@ -1571,6 +1588,7 @@
               <a:rPr lang="zh-CN" altLang="en-US"/>
               <a:t>第二级</a:t>
             </a:r>
+            <a:endParaRPr lang="zh-CN" altLang="en-US"/>
           </a:p>
           <a:p>
             <a:pPr lvl="2"/>
@@ -1578,6 +1596,7 @@
               <a:rPr lang="zh-CN" altLang="en-US"/>
               <a:t>第三级</a:t>
             </a:r>
+            <a:endParaRPr lang="zh-CN" altLang="en-US"/>
           </a:p>
           <a:p>
             <a:pPr lvl="3"/>
@@ -1585,6 +1604,7 @@
               <a:rPr lang="zh-CN" altLang="en-US"/>
               <a:t>第四级</a:t>
             </a:r>
+            <a:endParaRPr lang="zh-CN" altLang="en-US"/>
           </a:p>
           <a:p>
             <a:pPr lvl="4"/>
@@ -1592,6 +1612,7 @@
               <a:rPr lang="zh-CN" altLang="en-US"/>
               <a:t>第五级</a:t>
             </a:r>
+            <a:endParaRPr lang="zh-CN" altLang="en-US"/>
           </a:p>
         </p:txBody>
       </p:sp>
@@ -1612,7 +1633,6 @@
           <a:p>
             <a:fld id="{AF3DFB88-C66D-4D4F-992A-21D8B5C2FC83}" type="datetimeFigureOut">
               <a:rPr lang="zh-CN" altLang="en-US" smtClean="0"/>
-              <a:t>2023/10/22</a:t>
             </a:fld>
             <a:endParaRPr lang="zh-CN" altLang="en-US"/>
           </a:p>
@@ -1654,7 +1674,6 @@
           <a:p>
             <a:fld id="{1D393944-DC62-4081-86B4-76E5FCA2F9B8}" type="slidenum">
               <a:rPr lang="zh-CN" altLang="en-US" smtClean="0"/>
-              <a:t>‹#›</a:t>
             </a:fld>
             <a:endParaRPr lang="zh-CN" altLang="en-US"/>
           </a:p>
@@ -1709,6 +1728,7 @@
               <a:rPr lang="zh-CN" altLang="en-US"/>
               <a:t>单击此处编辑母版标题样式</a:t>
             </a:r>
+            <a:endParaRPr lang="zh-CN" altLang="en-US"/>
           </a:p>
         </p:txBody>
       </p:sp>
@@ -1774,6 +1794,7 @@
               <a:rPr lang="zh-CN" altLang="en-US"/>
               <a:t>编辑母版文本样式</a:t>
             </a:r>
+            <a:endParaRPr lang="zh-CN" altLang="en-US"/>
           </a:p>
         </p:txBody>
       </p:sp>
@@ -1802,6 +1823,7 @@
               <a:rPr lang="zh-CN" altLang="en-US"/>
               <a:t>编辑母版文本样式</a:t>
             </a:r>
+            <a:endParaRPr lang="zh-CN" altLang="en-US"/>
           </a:p>
           <a:p>
             <a:pPr lvl="1"/>
@@ -1809,6 +1831,7 @@
               <a:rPr lang="zh-CN" altLang="en-US"/>
               <a:t>第二级</a:t>
             </a:r>
+            <a:endParaRPr lang="zh-CN" altLang="en-US"/>
           </a:p>
           <a:p>
             <a:pPr lvl="2"/>
@@ -1816,6 +1839,7 @@
               <a:rPr lang="zh-CN" altLang="en-US"/>
               <a:t>第三级</a:t>
             </a:r>
+            <a:endParaRPr lang="zh-CN" altLang="en-US"/>
           </a:p>
           <a:p>
             <a:pPr lvl="3"/>
@@ -1823,6 +1847,7 @@
               <a:rPr lang="zh-CN" altLang="en-US"/>
               <a:t>第四级</a:t>
             </a:r>
+            <a:endParaRPr lang="zh-CN" altLang="en-US"/>
           </a:p>
           <a:p>
             <a:pPr lvl="4"/>
@@ -1830,6 +1855,7 @@
               <a:rPr lang="zh-CN" altLang="en-US"/>
               <a:t>第五级</a:t>
             </a:r>
+            <a:endParaRPr lang="zh-CN" altLang="en-US"/>
           </a:p>
         </p:txBody>
       </p:sp>
@@ -1895,6 +1921,7 @@
               <a:rPr lang="zh-CN" altLang="en-US"/>
               <a:t>编辑母版文本样式</a:t>
             </a:r>
+            <a:endParaRPr lang="zh-CN" altLang="en-US"/>
           </a:p>
         </p:txBody>
       </p:sp>
@@ -1923,6 +1950,7 @@
               <a:rPr lang="zh-CN" altLang="en-US"/>
               <a:t>编辑母版文本样式</a:t>
             </a:r>
+            <a:endParaRPr lang="zh-CN" altLang="en-US"/>
           </a:p>
           <a:p>
             <a:pPr lvl="1"/>
@@ -1930,6 +1958,7 @@
               <a:rPr lang="zh-CN" altLang="en-US"/>
               <a:t>第二级</a:t>
             </a:r>
+            <a:endParaRPr lang="zh-CN" altLang="en-US"/>
           </a:p>
           <a:p>
             <a:pPr lvl="2"/>
@@ -1937,6 +1966,7 @@
               <a:rPr lang="zh-CN" altLang="en-US"/>
               <a:t>第三级</a:t>
             </a:r>
+            <a:endParaRPr lang="zh-CN" altLang="en-US"/>
           </a:p>
           <a:p>
             <a:pPr lvl="3"/>
@@ -1944,6 +1974,7 @@
               <a:rPr lang="zh-CN" altLang="en-US"/>
               <a:t>第四级</a:t>
             </a:r>
+            <a:endParaRPr lang="zh-CN" altLang="en-US"/>
           </a:p>
           <a:p>
             <a:pPr lvl="4"/>
@@ -1951,6 +1982,7 @@
               <a:rPr lang="zh-CN" altLang="en-US"/>
               <a:t>第五级</a:t>
             </a:r>
+            <a:endParaRPr lang="zh-CN" altLang="en-US"/>
           </a:p>
         </p:txBody>
       </p:sp>
@@ -1971,7 +2003,6 @@
           <a:p>
             <a:fld id="{AF3DFB88-C66D-4D4F-992A-21D8B5C2FC83}" type="datetimeFigureOut">
               <a:rPr lang="zh-CN" altLang="en-US" smtClean="0"/>
-              <a:t>2023/10/22</a:t>
             </a:fld>
             <a:endParaRPr lang="zh-CN" altLang="en-US"/>
           </a:p>
@@ -2013,7 +2044,6 @@
           <a:p>
             <a:fld id="{1D393944-DC62-4081-86B4-76E5FCA2F9B8}" type="slidenum">
               <a:rPr lang="zh-CN" altLang="en-US" smtClean="0"/>
-              <a:t>‹#›</a:t>
             </a:fld>
             <a:endParaRPr lang="zh-CN" altLang="en-US"/>
           </a:p>
@@ -2063,6 +2093,7 @@
               <a:rPr lang="zh-CN" altLang="en-US"/>
               <a:t>单击此处编辑母版标题样式</a:t>
             </a:r>
+            <a:endParaRPr lang="zh-CN" altLang="en-US"/>
           </a:p>
         </p:txBody>
       </p:sp>
@@ -2083,7 +2114,6 @@
           <a:p>
             <a:fld id="{AF3DFB88-C66D-4D4F-992A-21D8B5C2FC83}" type="datetimeFigureOut">
               <a:rPr lang="zh-CN" altLang="en-US" smtClean="0"/>
-              <a:t>2023/10/22</a:t>
             </a:fld>
             <a:endParaRPr lang="zh-CN" altLang="en-US"/>
           </a:p>
@@ -2125,7 +2155,6 @@
           <a:p>
             <a:fld id="{1D393944-DC62-4081-86B4-76E5FCA2F9B8}" type="slidenum">
               <a:rPr lang="zh-CN" altLang="en-US" smtClean="0"/>
-              <a:t>‹#›</a:t>
             </a:fld>
             <a:endParaRPr lang="zh-CN" altLang="en-US"/>
           </a:p>
@@ -2173,7 +2202,6 @@
           <a:p>
             <a:fld id="{AF3DFB88-C66D-4D4F-992A-21D8B5C2FC83}" type="datetimeFigureOut">
               <a:rPr lang="zh-CN" altLang="en-US" smtClean="0"/>
-              <a:t>2023/10/22</a:t>
             </a:fld>
             <a:endParaRPr lang="zh-CN" altLang="en-US"/>
           </a:p>
@@ -2215,7 +2243,6 @@
           <a:p>
             <a:fld id="{1D393944-DC62-4081-86B4-76E5FCA2F9B8}" type="slidenum">
               <a:rPr lang="zh-CN" altLang="en-US" smtClean="0"/>
-              <a:t>‹#›</a:t>
             </a:fld>
             <a:endParaRPr lang="zh-CN" altLang="en-US"/>
           </a:p>
@@ -2274,6 +2301,7 @@
               <a:rPr lang="zh-CN" altLang="en-US"/>
               <a:t>单击此处编辑母版标题样式</a:t>
             </a:r>
+            <a:endParaRPr lang="zh-CN" altLang="en-US"/>
           </a:p>
         </p:txBody>
       </p:sp>
@@ -2330,6 +2358,7 @@
               <a:rPr lang="zh-CN" altLang="en-US"/>
               <a:t>编辑母版文本样式</a:t>
             </a:r>
+            <a:endParaRPr lang="zh-CN" altLang="en-US"/>
           </a:p>
           <a:p>
             <a:pPr lvl="1"/>
@@ -2337,6 +2366,7 @@
               <a:rPr lang="zh-CN" altLang="en-US"/>
               <a:t>第二级</a:t>
             </a:r>
+            <a:endParaRPr lang="zh-CN" altLang="en-US"/>
           </a:p>
           <a:p>
             <a:pPr lvl="2"/>
@@ -2344,6 +2374,7 @@
               <a:rPr lang="zh-CN" altLang="en-US"/>
               <a:t>第三级</a:t>
             </a:r>
+            <a:endParaRPr lang="zh-CN" altLang="en-US"/>
           </a:p>
           <a:p>
             <a:pPr lvl="3"/>
@@ -2351,6 +2382,7 @@
               <a:rPr lang="zh-CN" altLang="en-US"/>
               <a:t>第四级</a:t>
             </a:r>
+            <a:endParaRPr lang="zh-CN" altLang="en-US"/>
           </a:p>
           <a:p>
             <a:pPr lvl="4"/>
@@ -2358,6 +2390,7 @@
               <a:rPr lang="zh-CN" altLang="en-US"/>
               <a:t>第五级</a:t>
             </a:r>
+            <a:endParaRPr lang="zh-CN" altLang="en-US"/>
           </a:p>
         </p:txBody>
       </p:sp>
@@ -2423,6 +2456,7 @@
               <a:rPr lang="zh-CN" altLang="en-US"/>
               <a:t>编辑母版文本样式</a:t>
             </a:r>
+            <a:endParaRPr lang="zh-CN" altLang="en-US"/>
           </a:p>
         </p:txBody>
       </p:sp>
@@ -2443,7 +2477,6 @@
           <a:p>
             <a:fld id="{AF3DFB88-C66D-4D4F-992A-21D8B5C2FC83}" type="datetimeFigureOut">
               <a:rPr lang="zh-CN" altLang="en-US" smtClean="0"/>
-              <a:t>2023/10/22</a:t>
             </a:fld>
             <a:endParaRPr lang="zh-CN" altLang="en-US"/>
           </a:p>
@@ -2485,7 +2518,6 @@
           <a:p>
             <a:fld id="{1D393944-DC62-4081-86B4-76E5FCA2F9B8}" type="slidenum">
               <a:rPr lang="zh-CN" altLang="en-US" smtClean="0"/>
-              <a:t>‹#›</a:t>
             </a:fld>
             <a:endParaRPr lang="zh-CN" altLang="en-US"/>
           </a:p>
@@ -2544,6 +2576,7 @@
               <a:rPr lang="zh-CN" altLang="en-US"/>
               <a:t>单击此处编辑母版标题样式</a:t>
             </a:r>
+            <a:endParaRPr lang="zh-CN" altLang="en-US"/>
           </a:p>
         </p:txBody>
       </p:sp>
@@ -2670,6 +2703,7 @@
               <a:rPr lang="zh-CN" altLang="en-US"/>
               <a:t>编辑母版文本样式</a:t>
             </a:r>
+            <a:endParaRPr lang="zh-CN" altLang="en-US"/>
           </a:p>
         </p:txBody>
       </p:sp>
@@ -2690,7 +2724,6 @@
           <a:p>
             <a:fld id="{AF3DFB88-C66D-4D4F-992A-21D8B5C2FC83}" type="datetimeFigureOut">
               <a:rPr lang="zh-CN" altLang="en-US" smtClean="0"/>
-              <a:t>2023/10/22</a:t>
             </a:fld>
             <a:endParaRPr lang="zh-CN" altLang="en-US"/>
           </a:p>
@@ -2732,7 +2765,6 @@
           <a:p>
             <a:fld id="{1D393944-DC62-4081-86B4-76E5FCA2F9B8}" type="slidenum">
               <a:rPr lang="zh-CN" altLang="en-US" smtClean="0"/>
-              <a:t>‹#›</a:t>
             </a:fld>
             <a:endParaRPr lang="zh-CN" altLang="en-US"/>
           </a:p>
@@ -2797,6 +2829,7 @@
               <a:rPr lang="zh-CN" altLang="en-US"/>
               <a:t>单击此处编辑母版标题样式</a:t>
             </a:r>
+            <a:endParaRPr lang="zh-CN" altLang="en-US"/>
           </a:p>
         </p:txBody>
       </p:sp>
@@ -2830,6 +2863,7 @@
               <a:rPr lang="zh-CN" altLang="en-US"/>
               <a:t>编辑母版文本样式</a:t>
             </a:r>
+            <a:endParaRPr lang="zh-CN" altLang="en-US"/>
           </a:p>
           <a:p>
             <a:pPr lvl="1"/>
@@ -2837,6 +2871,7 @@
               <a:rPr lang="zh-CN" altLang="en-US"/>
               <a:t>第二级</a:t>
             </a:r>
+            <a:endParaRPr lang="zh-CN" altLang="en-US"/>
           </a:p>
           <a:p>
             <a:pPr lvl="2"/>
@@ -2844,6 +2879,7 @@
               <a:rPr lang="zh-CN" altLang="en-US"/>
               <a:t>第三级</a:t>
             </a:r>
+            <a:endParaRPr lang="zh-CN" altLang="en-US"/>
           </a:p>
           <a:p>
             <a:pPr lvl="3"/>
@@ -2851,6 +2887,7 @@
               <a:rPr lang="zh-CN" altLang="en-US"/>
               <a:t>第四级</a:t>
             </a:r>
+            <a:endParaRPr lang="zh-CN" altLang="en-US"/>
           </a:p>
           <a:p>
             <a:pPr lvl="4"/>
@@ -2858,6 +2895,7 @@
               <a:rPr lang="zh-CN" altLang="en-US"/>
               <a:t>第五级</a:t>
             </a:r>
+            <a:endParaRPr lang="zh-CN" altLang="en-US"/>
           </a:p>
         </p:txBody>
       </p:sp>
@@ -2896,7 +2934,6 @@
           <a:p>
             <a:fld id="{AF3DFB88-C66D-4D4F-992A-21D8B5C2FC83}" type="datetimeFigureOut">
               <a:rPr lang="zh-CN" altLang="en-US" smtClean="0"/>
-              <a:t>2023/10/22</a:t>
             </a:fld>
             <a:endParaRPr lang="zh-CN" altLang="en-US"/>
           </a:p>
@@ -2974,7 +3011,6 @@
           <a:p>
             <a:fld id="{1D393944-DC62-4081-86B4-76E5FCA2F9B8}" type="slidenum">
               <a:rPr lang="zh-CN" altLang="en-US" smtClean="0"/>
-              <a:t>‹#›</a:t>
             </a:fld>
             <a:endParaRPr lang="zh-CN" altLang="en-US"/>
           </a:p>
@@ -3305,7 +3341,7 @@
           <p:nvPr/>
         </p:nvPicPr>
         <p:blipFill>
-          <a:blip r:embed="rId3"/>
+          <a:blip r:embed="rId1"/>
           <a:stretch>
             <a:fillRect/>
           </a:stretch>
@@ -3329,7 +3365,7 @@
           <p:nvPr/>
         </p:nvPicPr>
         <p:blipFill>
-          <a:blip r:embed="rId4"/>
+          <a:blip r:embed="rId2"/>
           <a:stretch>
             <a:fillRect/>
           </a:stretch>
@@ -3353,7 +3389,7 @@
           <p:nvPr/>
         </p:nvPicPr>
         <p:blipFill rotWithShape="1">
-          <a:blip r:embed="rId4"/>
+          <a:blip r:embed="rId2"/>
           <a:srcRect l="13807"/>
           <a:stretch>
             <a:fillRect/>
@@ -3378,7 +3414,7 @@
           <p:nvPr/>
         </p:nvPicPr>
         <p:blipFill rotWithShape="1">
-          <a:blip r:embed="rId4"/>
+          <a:blip r:embed="rId2"/>
           <a:srcRect l="11337" r="31759"/>
           <a:stretch>
             <a:fillRect/>
@@ -3403,7 +3439,7 @@
           <p:nvPr/>
         </p:nvPicPr>
         <p:blipFill>
-          <a:blip r:embed="rId5"/>
+          <a:blip r:embed="rId3"/>
           <a:stretch>
             <a:fillRect/>
           </a:stretch>
@@ -3518,13 +3554,13 @@
   <p:clrMapOvr>
     <a:masterClrMapping/>
   </p:clrMapOvr>
-  <mc:AlternateContent xmlns:mc="http://schemas.openxmlformats.org/markup-compatibility/2006" xmlns:p14="http://schemas.microsoft.com/office/powerpoint/2010/main">
-    <mc:Choice Requires="p14">
+  <mc:AlternateContent xmlns:mc="http://schemas.openxmlformats.org/markup-compatibility/2006">
+    <mc:Choice xmlns:p14="http://schemas.microsoft.com/office/powerpoint/2010/main" Requires="p14">
       <p:transition spd="med" p14:dur="700">
         <p:fade/>
       </p:transition>
     </mc:Choice>
-    <mc:Fallback xmlns="">
+    <mc:Fallback>
       <p:transition spd="med">
         <p:fade/>
       </p:transition>
@@ -3603,6 +3639,30 @@
           <p:nvPr/>
         </p:nvPicPr>
         <p:blipFill>
+          <a:blip r:embed="rId1"/>
+          <a:stretch>
+            <a:fillRect/>
+          </a:stretch>
+        </p:blipFill>
+        <p:spPr>
+          <a:xfrm>
+            <a:off x="-13252" y="4877075"/>
+            <a:ext cx="12192000" cy="1980925"/>
+          </a:xfrm>
+          <a:prstGeom prst="rect">
+            <a:avLst/>
+          </a:prstGeom>
+        </p:spPr>
+      </p:pic>
+      <p:pic>
+        <p:nvPicPr>
+          <p:cNvPr id="8" name="图片 7"/>
+          <p:cNvPicPr>
+            <a:picLocks noChangeAspect="1"/>
+          </p:cNvPicPr>
+          <p:nvPr/>
+        </p:nvPicPr>
+        <p:blipFill>
           <a:blip r:embed="rId2"/>
           <a:stretch>
             <a:fillRect/>
@@ -3610,8 +3670,8 @@
         </p:blipFill>
         <p:spPr>
           <a:xfrm>
-            <a:off x="-13252" y="4877075"/>
-            <a:ext cx="12192000" cy="1980925"/>
+            <a:off x="439676" y="307638"/>
+            <a:ext cx="265554" cy="934751"/>
           </a:xfrm>
           <a:prstGeom prst="rect">
             <a:avLst/>
@@ -3620,7 +3680,7 @@
       </p:pic>
       <p:pic>
         <p:nvPicPr>
-          <p:cNvPr id="8" name="图片 7"/>
+          <p:cNvPr id="9" name="图片 8"/>
           <p:cNvPicPr>
             <a:picLocks noChangeAspect="1"/>
           </p:cNvPicPr>
@@ -3634,8 +3694,8 @@
         </p:blipFill>
         <p:spPr>
           <a:xfrm>
-            <a:off x="439676" y="307638"/>
-            <a:ext cx="265554" cy="934751"/>
+            <a:off x="-22104" y="5391540"/>
+            <a:ext cx="5018936" cy="1334540"/>
           </a:xfrm>
           <a:prstGeom prst="rect">
             <a:avLst/>
@@ -3644,7 +3704,57 @@
       </p:pic>
       <p:pic>
         <p:nvPicPr>
-          <p:cNvPr id="9" name="图片 8"/>
+          <p:cNvPr id="7" name="图片 6"/>
+          <p:cNvPicPr>
+            <a:picLocks noChangeAspect="1"/>
+          </p:cNvPicPr>
+          <p:nvPr/>
+        </p:nvPicPr>
+        <p:blipFill rotWithShape="1">
+          <a:blip r:embed="rId3"/>
+          <a:srcRect l="13807"/>
+          <a:stretch>
+            <a:fillRect/>
+          </a:stretch>
+        </p:blipFill>
+        <p:spPr>
+          <a:xfrm>
+            <a:off x="4996832" y="5391540"/>
+            <a:ext cx="4325964" cy="1334540"/>
+          </a:xfrm>
+          <a:prstGeom prst="rect">
+            <a:avLst/>
+          </a:prstGeom>
+        </p:spPr>
+      </p:pic>
+      <p:pic>
+        <p:nvPicPr>
+          <p:cNvPr id="10" name="图片 9"/>
+          <p:cNvPicPr>
+            <a:picLocks noChangeAspect="1"/>
+          </p:cNvPicPr>
+          <p:nvPr/>
+        </p:nvPicPr>
+        <p:blipFill rotWithShape="1">
+          <a:blip r:embed="rId3"/>
+          <a:srcRect l="11337" r="31759"/>
+          <a:stretch>
+            <a:fillRect/>
+          </a:stretch>
+        </p:blipFill>
+        <p:spPr>
+          <a:xfrm flipH="1">
+            <a:off x="9322796" y="5391540"/>
+            <a:ext cx="2855952" cy="1334540"/>
+          </a:xfrm>
+          <a:prstGeom prst="rect">
+            <a:avLst/>
+          </a:prstGeom>
+        </p:spPr>
+      </p:pic>
+      <p:pic>
+        <p:nvPicPr>
+          <p:cNvPr id="5" name="图片 4"/>
           <p:cNvPicPr>
             <a:picLocks noChangeAspect="1"/>
           </p:cNvPicPr>
@@ -3658,80 +3768,6 @@
         </p:blipFill>
         <p:spPr>
           <a:xfrm>
-            <a:off x="-22104" y="5391540"/>
-            <a:ext cx="5018936" cy="1334540"/>
-          </a:xfrm>
-          <a:prstGeom prst="rect">
-            <a:avLst/>
-          </a:prstGeom>
-        </p:spPr>
-      </p:pic>
-      <p:pic>
-        <p:nvPicPr>
-          <p:cNvPr id="7" name="图片 6"/>
-          <p:cNvPicPr>
-            <a:picLocks noChangeAspect="1"/>
-          </p:cNvPicPr>
-          <p:nvPr/>
-        </p:nvPicPr>
-        <p:blipFill rotWithShape="1">
-          <a:blip r:embed="rId4"/>
-          <a:srcRect l="13807"/>
-          <a:stretch>
-            <a:fillRect/>
-          </a:stretch>
-        </p:blipFill>
-        <p:spPr>
-          <a:xfrm>
-            <a:off x="4996832" y="5391540"/>
-            <a:ext cx="4325964" cy="1334540"/>
-          </a:xfrm>
-          <a:prstGeom prst="rect">
-            <a:avLst/>
-          </a:prstGeom>
-        </p:spPr>
-      </p:pic>
-      <p:pic>
-        <p:nvPicPr>
-          <p:cNvPr id="10" name="图片 9"/>
-          <p:cNvPicPr>
-            <a:picLocks noChangeAspect="1"/>
-          </p:cNvPicPr>
-          <p:nvPr/>
-        </p:nvPicPr>
-        <p:blipFill rotWithShape="1">
-          <a:blip r:embed="rId4"/>
-          <a:srcRect l="11337" r="31759"/>
-          <a:stretch>
-            <a:fillRect/>
-          </a:stretch>
-        </p:blipFill>
-        <p:spPr>
-          <a:xfrm flipH="1">
-            <a:off x="9322796" y="5391540"/>
-            <a:ext cx="2855952" cy="1334540"/>
-          </a:xfrm>
-          <a:prstGeom prst="rect">
-            <a:avLst/>
-          </a:prstGeom>
-        </p:spPr>
-      </p:pic>
-      <p:pic>
-        <p:nvPicPr>
-          <p:cNvPr id="5" name="图片 4"/>
-          <p:cNvPicPr>
-            <a:picLocks noChangeAspect="1"/>
-          </p:cNvPicPr>
-          <p:nvPr/>
-        </p:nvPicPr>
-        <p:blipFill>
-          <a:blip r:embed="rId5"/>
-          <a:stretch>
-            <a:fillRect/>
-          </a:stretch>
-        </p:blipFill>
-        <p:spPr>
-          <a:xfrm>
             <a:off x="9515388" y="485139"/>
             <a:ext cx="2358781" cy="579748"/>
           </a:xfrm>
@@ -3841,6 +3877,10 @@
               </a:rPr>
               <a:t>Raspberry PI test results</a:t>
             </a:r>
+            <a:endParaRPr lang="en-US" altLang="zh-CN" sz="3200" dirty="0">
+              <a:latin typeface="微软雅黑" panose="020B0503020204020204" pitchFamily="34" charset="-122"/>
+              <a:ea typeface="微软雅黑" panose="020B0503020204020204" pitchFamily="34" charset="-122"/>
+            </a:endParaRPr>
           </a:p>
           <a:p>
             <a:pPr marL="571500" indent="-571500" algn="l">
@@ -3857,6 +3897,10 @@
               </a:rPr>
               <a:t>Reasons for differences results of different layers</a:t>
             </a:r>
+            <a:endParaRPr lang="en-US" altLang="zh-CN" sz="3200" dirty="0">
+              <a:latin typeface="微软雅黑" panose="020B0503020204020204" pitchFamily="34" charset="-122"/>
+              <a:ea typeface="微软雅黑" panose="020B0503020204020204" pitchFamily="34" charset="-122"/>
+            </a:endParaRPr>
           </a:p>
           <a:p>
             <a:pPr marL="571500" indent="-571500" algn="l">
@@ -3873,6 +3917,10 @@
               </a:rPr>
               <a:t>Raspberry PI power changes</a:t>
             </a:r>
+            <a:endParaRPr lang="en-US" altLang="zh-CN" sz="3200" dirty="0">
+              <a:latin typeface="微软雅黑" panose="020B0503020204020204" pitchFamily="34" charset="-122"/>
+              <a:ea typeface="微软雅黑" panose="020B0503020204020204" pitchFamily="34" charset="-122"/>
+            </a:endParaRPr>
           </a:p>
         </p:txBody>
       </p:sp>
@@ -3881,13 +3929,13 @@
   <p:clrMapOvr>
     <a:masterClrMapping/>
   </p:clrMapOvr>
-  <mc:AlternateContent xmlns:mc="http://schemas.openxmlformats.org/markup-compatibility/2006" xmlns:p14="http://schemas.microsoft.com/office/powerpoint/2010/main">
-    <mc:Choice Requires="p14">
+  <mc:AlternateContent xmlns:mc="http://schemas.openxmlformats.org/markup-compatibility/2006">
+    <mc:Choice xmlns:p14="http://schemas.microsoft.com/office/powerpoint/2010/main" Requires="p14">
       <p:transition spd="med" p14:dur="700">
         <p:fade/>
       </p:transition>
     </mc:Choice>
-    <mc:Fallback xmlns="">
+    <mc:Fallback>
       <p:transition spd="med">
         <p:fade/>
       </p:transition>
@@ -3947,12 +3995,40 @@
               </a:rPr>
               <a:t>Raspberry PI test results</a:t>
             </a:r>
+            <a:endParaRPr lang="en-US" altLang="zh-CN" sz="3200" b="1" dirty="0">
+              <a:latin typeface="微软雅黑" panose="020B0503020204020204" pitchFamily="34" charset="-122"/>
+              <a:ea typeface="微软雅黑" panose="020B0503020204020204" pitchFamily="34" charset="-122"/>
+            </a:endParaRPr>
           </a:p>
         </p:txBody>
       </p:sp>
       <p:pic>
         <p:nvPicPr>
           <p:cNvPr id="3" name="图片 2"/>
+          <p:cNvPicPr>
+            <a:picLocks noChangeAspect="1"/>
+          </p:cNvPicPr>
+          <p:nvPr/>
+        </p:nvPicPr>
+        <p:blipFill>
+          <a:blip r:embed="rId1"/>
+          <a:stretch>
+            <a:fillRect/>
+          </a:stretch>
+        </p:blipFill>
+        <p:spPr>
+          <a:xfrm>
+            <a:off x="13252" y="4907605"/>
+            <a:ext cx="12192000" cy="1980925"/>
+          </a:xfrm>
+          <a:prstGeom prst="rect">
+            <a:avLst/>
+          </a:prstGeom>
+        </p:spPr>
+      </p:pic>
+      <p:pic>
+        <p:nvPicPr>
+          <p:cNvPr id="8" name="图片 7"/>
           <p:cNvPicPr>
             <a:picLocks noChangeAspect="1"/>
           </p:cNvPicPr>
@@ -3966,8 +4042,8 @@
         </p:blipFill>
         <p:spPr>
           <a:xfrm>
-            <a:off x="13252" y="4907605"/>
-            <a:ext cx="12192000" cy="1980925"/>
+            <a:off x="439676" y="307638"/>
+            <a:ext cx="265554" cy="934751"/>
           </a:xfrm>
           <a:prstGeom prst="rect">
             <a:avLst/>
@@ -3976,7 +4052,7 @@
       </p:pic>
       <p:pic>
         <p:nvPicPr>
-          <p:cNvPr id="8" name="图片 7"/>
+          <p:cNvPr id="9" name="图片 8"/>
           <p:cNvPicPr>
             <a:picLocks noChangeAspect="1"/>
           </p:cNvPicPr>
@@ -3990,8 +4066,8 @@
         </p:blipFill>
         <p:spPr>
           <a:xfrm>
-            <a:off x="439676" y="307638"/>
-            <a:ext cx="265554" cy="934751"/>
+            <a:off x="-22104" y="5391540"/>
+            <a:ext cx="5018936" cy="1334540"/>
           </a:xfrm>
           <a:prstGeom prst="rect">
             <a:avLst/>
@@ -4000,7 +4076,57 @@
       </p:pic>
       <p:pic>
         <p:nvPicPr>
-          <p:cNvPr id="9" name="图片 8"/>
+          <p:cNvPr id="7" name="图片 6"/>
+          <p:cNvPicPr>
+            <a:picLocks noChangeAspect="1"/>
+          </p:cNvPicPr>
+          <p:nvPr/>
+        </p:nvPicPr>
+        <p:blipFill rotWithShape="1">
+          <a:blip r:embed="rId3"/>
+          <a:srcRect l="13807"/>
+          <a:stretch>
+            <a:fillRect/>
+          </a:stretch>
+        </p:blipFill>
+        <p:spPr>
+          <a:xfrm>
+            <a:off x="4996832" y="5391540"/>
+            <a:ext cx="4325964" cy="1334540"/>
+          </a:xfrm>
+          <a:prstGeom prst="rect">
+            <a:avLst/>
+          </a:prstGeom>
+        </p:spPr>
+      </p:pic>
+      <p:pic>
+        <p:nvPicPr>
+          <p:cNvPr id="10" name="图片 9"/>
+          <p:cNvPicPr>
+            <a:picLocks noChangeAspect="1"/>
+          </p:cNvPicPr>
+          <p:nvPr/>
+        </p:nvPicPr>
+        <p:blipFill rotWithShape="1">
+          <a:blip r:embed="rId3"/>
+          <a:srcRect l="11337" r="31759"/>
+          <a:stretch>
+            <a:fillRect/>
+          </a:stretch>
+        </p:blipFill>
+        <p:spPr>
+          <a:xfrm flipH="1">
+            <a:off x="9322796" y="5391540"/>
+            <a:ext cx="2855952" cy="1334540"/>
+          </a:xfrm>
+          <a:prstGeom prst="rect">
+            <a:avLst/>
+          </a:prstGeom>
+        </p:spPr>
+      </p:pic>
+      <p:pic>
+        <p:nvPicPr>
+          <p:cNvPr id="5" name="图片 4"/>
           <p:cNvPicPr>
             <a:picLocks noChangeAspect="1"/>
           </p:cNvPicPr>
@@ -4014,8 +4140,8 @@
         </p:blipFill>
         <p:spPr>
           <a:xfrm>
-            <a:off x="-22104" y="5391540"/>
-            <a:ext cx="5018936" cy="1334540"/>
+            <a:off x="9515388" y="485139"/>
+            <a:ext cx="2358781" cy="579748"/>
           </a:xfrm>
           <a:prstGeom prst="rect">
             <a:avLst/>
@@ -4024,57 +4150,7 @@
       </p:pic>
       <p:pic>
         <p:nvPicPr>
-          <p:cNvPr id="7" name="图片 6"/>
-          <p:cNvPicPr>
-            <a:picLocks noChangeAspect="1"/>
-          </p:cNvPicPr>
-          <p:nvPr/>
-        </p:nvPicPr>
-        <p:blipFill rotWithShape="1">
-          <a:blip r:embed="rId4"/>
-          <a:srcRect l="13807"/>
-          <a:stretch>
-            <a:fillRect/>
-          </a:stretch>
-        </p:blipFill>
-        <p:spPr>
-          <a:xfrm>
-            <a:off x="4996832" y="5391540"/>
-            <a:ext cx="4325964" cy="1334540"/>
-          </a:xfrm>
-          <a:prstGeom prst="rect">
-            <a:avLst/>
-          </a:prstGeom>
-        </p:spPr>
-      </p:pic>
-      <p:pic>
-        <p:nvPicPr>
-          <p:cNvPr id="10" name="图片 9"/>
-          <p:cNvPicPr>
-            <a:picLocks noChangeAspect="1"/>
-          </p:cNvPicPr>
-          <p:nvPr/>
-        </p:nvPicPr>
-        <p:blipFill rotWithShape="1">
-          <a:blip r:embed="rId4"/>
-          <a:srcRect l="11337" r="31759"/>
-          <a:stretch>
-            <a:fillRect/>
-          </a:stretch>
-        </p:blipFill>
-        <p:spPr>
-          <a:xfrm flipH="1">
-            <a:off x="9322796" y="5391540"/>
-            <a:ext cx="2855952" cy="1334540"/>
-          </a:xfrm>
-          <a:prstGeom prst="rect">
-            <a:avLst/>
-          </a:prstGeom>
-        </p:spPr>
-      </p:pic>
-      <p:pic>
-        <p:nvPicPr>
-          <p:cNvPr id="5" name="图片 4"/>
+          <p:cNvPr id="13" name="图片 12"/>
           <p:cNvPicPr>
             <a:picLocks noChangeAspect="1"/>
           </p:cNvPicPr>
@@ -4088,8 +4164,8 @@
         </p:blipFill>
         <p:spPr>
           <a:xfrm>
-            <a:off x="9515388" y="485139"/>
-            <a:ext cx="2358781" cy="579748"/>
+            <a:off x="6699250" y="1242389"/>
+            <a:ext cx="3318933" cy="2489200"/>
           </a:xfrm>
           <a:prstGeom prst="rect">
             <a:avLst/>
@@ -4098,13 +4174,7 @@
       </p:pic>
       <p:pic>
         <p:nvPicPr>
-          <p:cNvPr id="13" name="图片 12">
-            <a:extLst>
-              <a:ext uri="{FF2B5EF4-FFF2-40B4-BE49-F238E27FC236}">
-                <a16:creationId xmlns:a16="http://schemas.microsoft.com/office/drawing/2014/main" id="{02D4B690-0E94-EE76-DCE0-8A64B929FCD2}"/>
-              </a:ext>
-            </a:extLst>
-          </p:cNvPr>
+          <p:cNvPr id="15" name="图片 14"/>
           <p:cNvPicPr>
             <a:picLocks noChangeAspect="1"/>
           </p:cNvPicPr>
@@ -4118,7 +4188,7 @@
         </p:blipFill>
         <p:spPr>
           <a:xfrm>
-            <a:off x="6699250" y="1242389"/>
+            <a:off x="827897" y="1242389"/>
             <a:ext cx="3318933" cy="2489200"/>
           </a:xfrm>
           <a:prstGeom prst="rect">
@@ -4128,13 +4198,7 @@
       </p:pic>
       <p:pic>
         <p:nvPicPr>
-          <p:cNvPr id="15" name="图片 14">
-            <a:extLst>
-              <a:ext uri="{FF2B5EF4-FFF2-40B4-BE49-F238E27FC236}">
-                <a16:creationId xmlns:a16="http://schemas.microsoft.com/office/drawing/2014/main" id="{09E075B3-F08C-6083-5167-6B1A1D9873AB}"/>
-              </a:ext>
-            </a:extLst>
-          </p:cNvPr>
+          <p:cNvPr id="6" name="图片 5"/>
           <p:cNvPicPr>
             <a:picLocks noChangeAspect="1"/>
           </p:cNvPicPr>
@@ -4148,8 +4212,32 @@
         </p:blipFill>
         <p:spPr>
           <a:xfrm>
-            <a:off x="827897" y="1242389"/>
-            <a:ext cx="3318933" cy="2489200"/>
+            <a:off x="828675" y="3731895"/>
+            <a:ext cx="3317875" cy="2488565"/>
+          </a:xfrm>
+          <a:prstGeom prst="rect">
+            <a:avLst/>
+          </a:prstGeom>
+        </p:spPr>
+      </p:pic>
+      <p:pic>
+        <p:nvPicPr>
+          <p:cNvPr id="11" name="图片 10"/>
+          <p:cNvPicPr>
+            <a:picLocks noChangeAspect="1"/>
+          </p:cNvPicPr>
+          <p:nvPr/>
+        </p:nvPicPr>
+        <p:blipFill>
+          <a:blip r:embed="rId8"/>
+          <a:stretch>
+            <a:fillRect/>
+          </a:stretch>
+        </p:blipFill>
+        <p:spPr>
+          <a:xfrm>
+            <a:off x="6699250" y="3731895"/>
+            <a:ext cx="3317875" cy="2488565"/>
           </a:xfrm>
           <a:prstGeom prst="rect">
             <a:avLst/>
@@ -4161,13 +4249,13 @@
   <p:clrMapOvr>
     <a:masterClrMapping/>
   </p:clrMapOvr>
-  <mc:AlternateContent xmlns:mc="http://schemas.openxmlformats.org/markup-compatibility/2006" xmlns:p14="http://schemas.microsoft.com/office/powerpoint/2010/main">
-    <mc:Choice Requires="p14">
+  <mc:AlternateContent xmlns:mc="http://schemas.openxmlformats.org/markup-compatibility/2006">
+    <mc:Choice xmlns:p14="http://schemas.microsoft.com/office/powerpoint/2010/main" Requires="p14">
       <p:transition spd="med" p14:dur="700">
         <p:fade/>
       </p:transition>
     </mc:Choice>
-    <mc:Fallback xmlns="">
+    <mc:Fallback>
       <p:transition spd="med">
         <p:fade/>
       </p:transition>
@@ -4227,12 +4315,40 @@
               </a:rPr>
               <a:t>Reasons for differences results of different layers</a:t>
             </a:r>
+            <a:endParaRPr lang="en-US" altLang="zh-CN" sz="2800" b="1" dirty="0">
+              <a:latin typeface="微软雅黑" panose="020B0503020204020204" pitchFamily="34" charset="-122"/>
+              <a:ea typeface="微软雅黑" panose="020B0503020204020204" pitchFamily="34" charset="-122"/>
+            </a:endParaRPr>
           </a:p>
         </p:txBody>
       </p:sp>
       <p:pic>
         <p:nvPicPr>
           <p:cNvPr id="3" name="图片 2"/>
+          <p:cNvPicPr>
+            <a:picLocks noChangeAspect="1"/>
+          </p:cNvPicPr>
+          <p:nvPr/>
+        </p:nvPicPr>
+        <p:blipFill>
+          <a:blip r:embed="rId1"/>
+          <a:stretch>
+            <a:fillRect/>
+          </a:stretch>
+        </p:blipFill>
+        <p:spPr>
+          <a:xfrm>
+            <a:off x="-83" y="4907605"/>
+            <a:ext cx="12192000" cy="1980925"/>
+          </a:xfrm>
+          <a:prstGeom prst="rect">
+            <a:avLst/>
+          </a:prstGeom>
+        </p:spPr>
+      </p:pic>
+      <p:pic>
+        <p:nvPicPr>
+          <p:cNvPr id="8" name="图片 7"/>
           <p:cNvPicPr>
             <a:picLocks noChangeAspect="1"/>
           </p:cNvPicPr>
@@ -4246,8 +4362,8 @@
         </p:blipFill>
         <p:spPr>
           <a:xfrm>
-            <a:off x="-83" y="4907605"/>
-            <a:ext cx="12192000" cy="1980925"/>
+            <a:off x="439676" y="307638"/>
+            <a:ext cx="265554" cy="934751"/>
           </a:xfrm>
           <a:prstGeom prst="rect">
             <a:avLst/>
@@ -4256,7 +4372,7 @@
       </p:pic>
       <p:pic>
         <p:nvPicPr>
-          <p:cNvPr id="8" name="图片 7"/>
+          <p:cNvPr id="9" name="图片 8"/>
           <p:cNvPicPr>
             <a:picLocks noChangeAspect="1"/>
           </p:cNvPicPr>
@@ -4270,8 +4386,8 @@
         </p:blipFill>
         <p:spPr>
           <a:xfrm>
-            <a:off x="439676" y="307638"/>
-            <a:ext cx="265554" cy="934751"/>
+            <a:off x="-22104" y="5391540"/>
+            <a:ext cx="5018936" cy="1334540"/>
           </a:xfrm>
           <a:prstGeom prst="rect">
             <a:avLst/>
@@ -4280,7 +4396,57 @@
       </p:pic>
       <p:pic>
         <p:nvPicPr>
-          <p:cNvPr id="9" name="图片 8"/>
+          <p:cNvPr id="7" name="图片 6"/>
+          <p:cNvPicPr>
+            <a:picLocks noChangeAspect="1"/>
+          </p:cNvPicPr>
+          <p:nvPr/>
+        </p:nvPicPr>
+        <p:blipFill rotWithShape="1">
+          <a:blip r:embed="rId3"/>
+          <a:srcRect l="13807"/>
+          <a:stretch>
+            <a:fillRect/>
+          </a:stretch>
+        </p:blipFill>
+        <p:spPr>
+          <a:xfrm>
+            <a:off x="4996832" y="5391540"/>
+            <a:ext cx="4325964" cy="1334540"/>
+          </a:xfrm>
+          <a:prstGeom prst="rect">
+            <a:avLst/>
+          </a:prstGeom>
+        </p:spPr>
+      </p:pic>
+      <p:pic>
+        <p:nvPicPr>
+          <p:cNvPr id="10" name="图片 9"/>
+          <p:cNvPicPr>
+            <a:picLocks noChangeAspect="1"/>
+          </p:cNvPicPr>
+          <p:nvPr/>
+        </p:nvPicPr>
+        <p:blipFill rotWithShape="1">
+          <a:blip r:embed="rId3"/>
+          <a:srcRect l="11337" r="31759"/>
+          <a:stretch>
+            <a:fillRect/>
+          </a:stretch>
+        </p:blipFill>
+        <p:spPr>
+          <a:xfrm flipH="1">
+            <a:off x="9322796" y="5391540"/>
+            <a:ext cx="2855952" cy="1334540"/>
+          </a:xfrm>
+          <a:prstGeom prst="rect">
+            <a:avLst/>
+          </a:prstGeom>
+        </p:spPr>
+      </p:pic>
+      <p:pic>
+        <p:nvPicPr>
+          <p:cNvPr id="5" name="图片 4"/>
           <p:cNvPicPr>
             <a:picLocks noChangeAspect="1"/>
           </p:cNvPicPr>
@@ -4294,97 +4460,17 @@
         </p:blipFill>
         <p:spPr>
           <a:xfrm>
-            <a:off x="-22104" y="5391540"/>
-            <a:ext cx="5018936" cy="1334540"/>
+            <a:off x="9515388" y="485139"/>
+            <a:ext cx="2358781" cy="579748"/>
           </a:xfrm>
           <a:prstGeom prst="rect">
             <a:avLst/>
           </a:prstGeom>
         </p:spPr>
       </p:pic>
-      <p:pic>
-        <p:nvPicPr>
-          <p:cNvPr id="7" name="图片 6"/>
-          <p:cNvPicPr>
-            <a:picLocks noChangeAspect="1"/>
-          </p:cNvPicPr>
-          <p:nvPr/>
-        </p:nvPicPr>
-        <p:blipFill rotWithShape="1">
-          <a:blip r:embed="rId4"/>
-          <a:srcRect l="13807"/>
-          <a:stretch>
-            <a:fillRect/>
-          </a:stretch>
-        </p:blipFill>
-        <p:spPr>
-          <a:xfrm>
-            <a:off x="4996832" y="5391540"/>
-            <a:ext cx="4325964" cy="1334540"/>
-          </a:xfrm>
-          <a:prstGeom prst="rect">
-            <a:avLst/>
-          </a:prstGeom>
-        </p:spPr>
-      </p:pic>
-      <p:pic>
-        <p:nvPicPr>
-          <p:cNvPr id="10" name="图片 9"/>
-          <p:cNvPicPr>
-            <a:picLocks noChangeAspect="1"/>
-          </p:cNvPicPr>
-          <p:nvPr/>
-        </p:nvPicPr>
-        <p:blipFill rotWithShape="1">
-          <a:blip r:embed="rId4"/>
-          <a:srcRect l="11337" r="31759"/>
-          <a:stretch>
-            <a:fillRect/>
-          </a:stretch>
-        </p:blipFill>
-        <p:spPr>
-          <a:xfrm flipH="1">
-            <a:off x="9322796" y="5391540"/>
-            <a:ext cx="2855952" cy="1334540"/>
-          </a:xfrm>
-          <a:prstGeom prst="rect">
-            <a:avLst/>
-          </a:prstGeom>
-        </p:spPr>
-      </p:pic>
-      <p:pic>
-        <p:nvPicPr>
-          <p:cNvPr id="5" name="图片 4"/>
-          <p:cNvPicPr>
-            <a:picLocks noChangeAspect="1"/>
-          </p:cNvPicPr>
-          <p:nvPr/>
-        </p:nvPicPr>
-        <p:blipFill>
-          <a:blip r:embed="rId5"/>
-          <a:stretch>
-            <a:fillRect/>
-          </a:stretch>
-        </p:blipFill>
-        <p:spPr>
-          <a:xfrm>
-            <a:off x="9515388" y="485139"/>
-            <a:ext cx="2358781" cy="579748"/>
-          </a:xfrm>
-          <a:prstGeom prst="rect">
-            <a:avLst/>
-          </a:prstGeom>
-        </p:spPr>
-      </p:pic>
-      <p:sp>
-        <p:nvSpPr>
-          <p:cNvPr id="4" name="标题 1">
-            <a:extLst>
-              <a:ext uri="{FF2B5EF4-FFF2-40B4-BE49-F238E27FC236}">
-                <a16:creationId xmlns:a16="http://schemas.microsoft.com/office/drawing/2014/main" id="{6078E232-4290-C12B-0CA6-811B90827832}"/>
-              </a:ext>
-            </a:extLst>
-          </p:cNvPr>
+      <p:sp>
+        <p:nvSpPr>
+          <p:cNvPr id="4" name="标题 1"/>
           <p:cNvSpPr txBox="1"/>
           <p:nvPr/>
         </p:nvSpPr>
@@ -4483,6 +4569,10 @@
               </a:rPr>
               <a:t>The running time of the Raspberry PI affects energy consumption</a:t>
             </a:r>
+            <a:endParaRPr lang="en-US" altLang="zh-CN" sz="2800" dirty="0">
+              <a:latin typeface="微软雅黑" panose="020B0503020204020204" pitchFamily="34" charset="-122"/>
+              <a:ea typeface="微软雅黑" panose="020B0503020204020204" pitchFamily="34" charset="-122"/>
+            </a:endParaRPr>
           </a:p>
           <a:p>
             <a:pPr marL="571500" indent="-571500" algn="l">
@@ -4499,6 +4589,10 @@
               </a:rPr>
               <a:t>When the Raspberry PI runs different layered models, the various parameters are basically the same</a:t>
             </a:r>
+            <a:endParaRPr lang="en-US" altLang="zh-CN" sz="2800" dirty="0">
+              <a:latin typeface="微软雅黑" panose="020B0503020204020204" pitchFamily="34" charset="-122"/>
+              <a:ea typeface="微软雅黑" panose="020B0503020204020204" pitchFamily="34" charset="-122"/>
+            </a:endParaRPr>
           </a:p>
         </p:txBody>
       </p:sp>
@@ -4507,13 +4601,13 @@
   <p:clrMapOvr>
     <a:masterClrMapping/>
   </p:clrMapOvr>
-  <mc:AlternateContent xmlns:mc="http://schemas.openxmlformats.org/markup-compatibility/2006" xmlns:p14="http://schemas.microsoft.com/office/powerpoint/2010/main">
-    <mc:Choice Requires="p14">
+  <mc:AlternateContent xmlns:mc="http://schemas.openxmlformats.org/markup-compatibility/2006">
+    <mc:Choice xmlns:p14="http://schemas.microsoft.com/office/powerpoint/2010/main" Requires="p14">
       <p:transition spd="med" p14:dur="700">
         <p:fade/>
       </p:transition>
     </mc:Choice>
-    <mc:Fallback xmlns="">
+    <mc:Fallback>
       <p:transition spd="med">
         <p:fade/>
       </p:transition>
@@ -4573,12 +4667,40 @@
               </a:rPr>
               <a:t>Raspberry PI power changes</a:t>
             </a:r>
+            <a:endParaRPr lang="en-US" altLang="zh-CN" sz="3200" b="1" dirty="0">
+              <a:latin typeface="微软雅黑" panose="020B0503020204020204" pitchFamily="34" charset="-122"/>
+              <a:ea typeface="微软雅黑" panose="020B0503020204020204" pitchFamily="34" charset="-122"/>
+            </a:endParaRPr>
           </a:p>
         </p:txBody>
       </p:sp>
       <p:pic>
         <p:nvPicPr>
           <p:cNvPr id="3" name="图片 2"/>
+          <p:cNvPicPr>
+            <a:picLocks noChangeAspect="1"/>
+          </p:cNvPicPr>
+          <p:nvPr/>
+        </p:nvPicPr>
+        <p:blipFill>
+          <a:blip r:embed="rId1"/>
+          <a:stretch>
+            <a:fillRect/>
+          </a:stretch>
+        </p:blipFill>
+        <p:spPr>
+          <a:xfrm>
+            <a:off x="13252" y="4907605"/>
+            <a:ext cx="12192000" cy="1980925"/>
+          </a:xfrm>
+          <a:prstGeom prst="rect">
+            <a:avLst/>
+          </a:prstGeom>
+        </p:spPr>
+      </p:pic>
+      <p:pic>
+        <p:nvPicPr>
+          <p:cNvPr id="8" name="图片 7"/>
           <p:cNvPicPr>
             <a:picLocks noChangeAspect="1"/>
           </p:cNvPicPr>
@@ -4592,8 +4714,8 @@
         </p:blipFill>
         <p:spPr>
           <a:xfrm>
-            <a:off x="13252" y="4907605"/>
-            <a:ext cx="12192000" cy="1980925"/>
+            <a:off x="439676" y="307638"/>
+            <a:ext cx="265554" cy="934751"/>
           </a:xfrm>
           <a:prstGeom prst="rect">
             <a:avLst/>
@@ -4602,7 +4724,7 @@
       </p:pic>
       <p:pic>
         <p:nvPicPr>
-          <p:cNvPr id="8" name="图片 7"/>
+          <p:cNvPr id="9" name="图片 8"/>
           <p:cNvPicPr>
             <a:picLocks noChangeAspect="1"/>
           </p:cNvPicPr>
@@ -4616,8 +4738,8 @@
         </p:blipFill>
         <p:spPr>
           <a:xfrm>
-            <a:off x="439676" y="307638"/>
-            <a:ext cx="265554" cy="934751"/>
+            <a:off x="-22104" y="5391540"/>
+            <a:ext cx="5018936" cy="1334540"/>
           </a:xfrm>
           <a:prstGeom prst="rect">
             <a:avLst/>
@@ -4626,7 +4748,57 @@
       </p:pic>
       <p:pic>
         <p:nvPicPr>
-          <p:cNvPr id="9" name="图片 8"/>
+          <p:cNvPr id="7" name="图片 6"/>
+          <p:cNvPicPr>
+            <a:picLocks noChangeAspect="1"/>
+          </p:cNvPicPr>
+          <p:nvPr/>
+        </p:nvPicPr>
+        <p:blipFill rotWithShape="1">
+          <a:blip r:embed="rId3"/>
+          <a:srcRect l="13807"/>
+          <a:stretch>
+            <a:fillRect/>
+          </a:stretch>
+        </p:blipFill>
+        <p:spPr>
+          <a:xfrm>
+            <a:off x="4996832" y="5391540"/>
+            <a:ext cx="4325964" cy="1334540"/>
+          </a:xfrm>
+          <a:prstGeom prst="rect">
+            <a:avLst/>
+          </a:prstGeom>
+        </p:spPr>
+      </p:pic>
+      <p:pic>
+        <p:nvPicPr>
+          <p:cNvPr id="10" name="图片 9"/>
+          <p:cNvPicPr>
+            <a:picLocks noChangeAspect="1"/>
+          </p:cNvPicPr>
+          <p:nvPr/>
+        </p:nvPicPr>
+        <p:blipFill rotWithShape="1">
+          <a:blip r:embed="rId3"/>
+          <a:srcRect l="11337" r="31759"/>
+          <a:stretch>
+            <a:fillRect/>
+          </a:stretch>
+        </p:blipFill>
+        <p:spPr>
+          <a:xfrm flipH="1">
+            <a:off x="9322796" y="5391540"/>
+            <a:ext cx="2855952" cy="1334540"/>
+          </a:xfrm>
+          <a:prstGeom prst="rect">
+            <a:avLst/>
+          </a:prstGeom>
+        </p:spPr>
+      </p:pic>
+      <p:pic>
+        <p:nvPicPr>
+          <p:cNvPr id="5" name="图片 4"/>
           <p:cNvPicPr>
             <a:picLocks noChangeAspect="1"/>
           </p:cNvPicPr>
@@ -4640,80 +4812,6 @@
         </p:blipFill>
         <p:spPr>
           <a:xfrm>
-            <a:off x="-22104" y="5391540"/>
-            <a:ext cx="5018936" cy="1334540"/>
-          </a:xfrm>
-          <a:prstGeom prst="rect">
-            <a:avLst/>
-          </a:prstGeom>
-        </p:spPr>
-      </p:pic>
-      <p:pic>
-        <p:nvPicPr>
-          <p:cNvPr id="7" name="图片 6"/>
-          <p:cNvPicPr>
-            <a:picLocks noChangeAspect="1"/>
-          </p:cNvPicPr>
-          <p:nvPr/>
-        </p:nvPicPr>
-        <p:blipFill rotWithShape="1">
-          <a:blip r:embed="rId4"/>
-          <a:srcRect l="13807"/>
-          <a:stretch>
-            <a:fillRect/>
-          </a:stretch>
-        </p:blipFill>
-        <p:spPr>
-          <a:xfrm>
-            <a:off x="4996832" y="5391540"/>
-            <a:ext cx="4325964" cy="1334540"/>
-          </a:xfrm>
-          <a:prstGeom prst="rect">
-            <a:avLst/>
-          </a:prstGeom>
-        </p:spPr>
-      </p:pic>
-      <p:pic>
-        <p:nvPicPr>
-          <p:cNvPr id="10" name="图片 9"/>
-          <p:cNvPicPr>
-            <a:picLocks noChangeAspect="1"/>
-          </p:cNvPicPr>
-          <p:nvPr/>
-        </p:nvPicPr>
-        <p:blipFill rotWithShape="1">
-          <a:blip r:embed="rId4"/>
-          <a:srcRect l="11337" r="31759"/>
-          <a:stretch>
-            <a:fillRect/>
-          </a:stretch>
-        </p:blipFill>
-        <p:spPr>
-          <a:xfrm flipH="1">
-            <a:off x="9322796" y="5391540"/>
-            <a:ext cx="2855952" cy="1334540"/>
-          </a:xfrm>
-          <a:prstGeom prst="rect">
-            <a:avLst/>
-          </a:prstGeom>
-        </p:spPr>
-      </p:pic>
-      <p:pic>
-        <p:nvPicPr>
-          <p:cNvPr id="5" name="图片 4"/>
-          <p:cNvPicPr>
-            <a:picLocks noChangeAspect="1"/>
-          </p:cNvPicPr>
-          <p:nvPr/>
-        </p:nvPicPr>
-        <p:blipFill>
-          <a:blip r:embed="rId5"/>
-          <a:stretch>
-            <a:fillRect/>
-          </a:stretch>
-        </p:blipFill>
-        <p:spPr>
-          <a:xfrm>
             <a:off x="9515388" y="485139"/>
             <a:ext cx="2358781" cy="579748"/>
           </a:xfrm>
@@ -4823,6 +4921,10 @@
               </a:rPr>
               <a:t>The Raspberry PI is about 3.5W when calculated</a:t>
             </a:r>
+            <a:endParaRPr lang="en-US" altLang="zh-CN" sz="2800" dirty="0">
+              <a:latin typeface="微软雅黑" panose="020B0503020204020204" pitchFamily="34" charset="-122"/>
+              <a:ea typeface="微软雅黑" panose="020B0503020204020204" pitchFamily="34" charset="-122"/>
+            </a:endParaRPr>
           </a:p>
           <a:p>
             <a:pPr marL="571500" indent="-571500" algn="l">
@@ -4839,6 +4941,10 @@
               </a:rPr>
               <a:t>The Raspberry PI is about 5.5W when transmitted</a:t>
             </a:r>
+            <a:endParaRPr lang="en-US" altLang="zh-CN" sz="2800" dirty="0">
+              <a:latin typeface="微软雅黑" panose="020B0503020204020204" pitchFamily="34" charset="-122"/>
+              <a:ea typeface="微软雅黑" panose="020B0503020204020204" pitchFamily="34" charset="-122"/>
+            </a:endParaRPr>
           </a:p>
           <a:p>
             <a:pPr marL="571500" indent="-571500" algn="l">
@@ -4855,6 +4961,10 @@
               </a:rPr>
               <a:t>The Raspberry PI is about 6.7W when waited</a:t>
             </a:r>
+            <a:endParaRPr lang="en-US" altLang="zh-CN" sz="2800" dirty="0">
+              <a:latin typeface="微软雅黑" panose="020B0503020204020204" pitchFamily="34" charset="-122"/>
+              <a:ea typeface="微软雅黑" panose="020B0503020204020204" pitchFamily="34" charset="-122"/>
+            </a:endParaRPr>
           </a:p>
         </p:txBody>
       </p:sp>
@@ -4863,13 +4973,13 @@
   <p:clrMapOvr>
     <a:masterClrMapping/>
   </p:clrMapOvr>
-  <mc:AlternateContent xmlns:mc="http://schemas.openxmlformats.org/markup-compatibility/2006" xmlns:p14="http://schemas.microsoft.com/office/powerpoint/2010/main">
-    <mc:Choice Requires="p14">
+  <mc:AlternateContent xmlns:mc="http://schemas.openxmlformats.org/markup-compatibility/2006">
+    <mc:Choice xmlns:p14="http://schemas.microsoft.com/office/powerpoint/2010/main" Requires="p14">
       <p:transition spd="med" p14:dur="700">
         <p:fade/>
       </p:transition>
     </mc:Choice>
-    <mc:Fallback xmlns="">
+    <mc:Fallback>
       <p:transition spd="med">
         <p:fade/>
       </p:transition>
@@ -4940,6 +5050,30 @@
           <p:nvPr/>
         </p:nvPicPr>
         <p:blipFill>
+          <a:blip r:embed="rId1"/>
+          <a:stretch>
+            <a:fillRect/>
+          </a:stretch>
+        </p:blipFill>
+        <p:spPr>
+          <a:xfrm>
+            <a:off x="-22104" y="4877075"/>
+            <a:ext cx="12192000" cy="1980925"/>
+          </a:xfrm>
+          <a:prstGeom prst="rect">
+            <a:avLst/>
+          </a:prstGeom>
+        </p:spPr>
+      </p:pic>
+      <p:pic>
+        <p:nvPicPr>
+          <p:cNvPr id="9" name="图片 8"/>
+          <p:cNvPicPr>
+            <a:picLocks noChangeAspect="1"/>
+          </p:cNvPicPr>
+          <p:nvPr/>
+        </p:nvPicPr>
+        <p:blipFill>
           <a:blip r:embed="rId2"/>
           <a:stretch>
             <a:fillRect/>
@@ -4947,8 +5081,8 @@
         </p:blipFill>
         <p:spPr>
           <a:xfrm>
-            <a:off x="-22104" y="4877075"/>
-            <a:ext cx="12192000" cy="1980925"/>
+            <a:off x="-22104" y="5391540"/>
+            <a:ext cx="5018936" cy="1334540"/>
           </a:xfrm>
           <a:prstGeom prst="rect">
             <a:avLst/>
@@ -4957,7 +5091,57 @@
       </p:pic>
       <p:pic>
         <p:nvPicPr>
-          <p:cNvPr id="9" name="图片 8"/>
+          <p:cNvPr id="7" name="图片 6"/>
+          <p:cNvPicPr>
+            <a:picLocks noChangeAspect="1"/>
+          </p:cNvPicPr>
+          <p:nvPr/>
+        </p:nvPicPr>
+        <p:blipFill rotWithShape="1">
+          <a:blip r:embed="rId2"/>
+          <a:srcRect l="13807"/>
+          <a:stretch>
+            <a:fillRect/>
+          </a:stretch>
+        </p:blipFill>
+        <p:spPr>
+          <a:xfrm>
+            <a:off x="4996832" y="5391540"/>
+            <a:ext cx="4325964" cy="1334540"/>
+          </a:xfrm>
+          <a:prstGeom prst="rect">
+            <a:avLst/>
+          </a:prstGeom>
+        </p:spPr>
+      </p:pic>
+      <p:pic>
+        <p:nvPicPr>
+          <p:cNvPr id="10" name="图片 9"/>
+          <p:cNvPicPr>
+            <a:picLocks noChangeAspect="1"/>
+          </p:cNvPicPr>
+          <p:nvPr/>
+        </p:nvPicPr>
+        <p:blipFill rotWithShape="1">
+          <a:blip r:embed="rId2"/>
+          <a:srcRect l="11337" r="31759"/>
+          <a:stretch>
+            <a:fillRect/>
+          </a:stretch>
+        </p:blipFill>
+        <p:spPr>
+          <a:xfrm flipH="1">
+            <a:off x="9322796" y="5391540"/>
+            <a:ext cx="2855952" cy="1334540"/>
+          </a:xfrm>
+          <a:prstGeom prst="rect">
+            <a:avLst/>
+          </a:prstGeom>
+        </p:spPr>
+      </p:pic>
+      <p:pic>
+        <p:nvPicPr>
+          <p:cNvPr id="5" name="图片 4"/>
           <p:cNvPicPr>
             <a:picLocks noChangeAspect="1"/>
           </p:cNvPicPr>
@@ -4971,80 +5155,6 @@
         </p:blipFill>
         <p:spPr>
           <a:xfrm>
-            <a:off x="-22104" y="5391540"/>
-            <a:ext cx="5018936" cy="1334540"/>
-          </a:xfrm>
-          <a:prstGeom prst="rect">
-            <a:avLst/>
-          </a:prstGeom>
-        </p:spPr>
-      </p:pic>
-      <p:pic>
-        <p:nvPicPr>
-          <p:cNvPr id="7" name="图片 6"/>
-          <p:cNvPicPr>
-            <a:picLocks noChangeAspect="1"/>
-          </p:cNvPicPr>
-          <p:nvPr/>
-        </p:nvPicPr>
-        <p:blipFill rotWithShape="1">
-          <a:blip r:embed="rId3"/>
-          <a:srcRect l="13807"/>
-          <a:stretch>
-            <a:fillRect/>
-          </a:stretch>
-        </p:blipFill>
-        <p:spPr>
-          <a:xfrm>
-            <a:off x="4996832" y="5391540"/>
-            <a:ext cx="4325964" cy="1334540"/>
-          </a:xfrm>
-          <a:prstGeom prst="rect">
-            <a:avLst/>
-          </a:prstGeom>
-        </p:spPr>
-      </p:pic>
-      <p:pic>
-        <p:nvPicPr>
-          <p:cNvPr id="10" name="图片 9"/>
-          <p:cNvPicPr>
-            <a:picLocks noChangeAspect="1"/>
-          </p:cNvPicPr>
-          <p:nvPr/>
-        </p:nvPicPr>
-        <p:blipFill rotWithShape="1">
-          <a:blip r:embed="rId3"/>
-          <a:srcRect l="11337" r="31759"/>
-          <a:stretch>
-            <a:fillRect/>
-          </a:stretch>
-        </p:blipFill>
-        <p:spPr>
-          <a:xfrm flipH="1">
-            <a:off x="9322796" y="5391540"/>
-            <a:ext cx="2855952" cy="1334540"/>
-          </a:xfrm>
-          <a:prstGeom prst="rect">
-            <a:avLst/>
-          </a:prstGeom>
-        </p:spPr>
-      </p:pic>
-      <p:pic>
-        <p:nvPicPr>
-          <p:cNvPr id="5" name="图片 4"/>
-          <p:cNvPicPr>
-            <a:picLocks noChangeAspect="1"/>
-          </p:cNvPicPr>
-          <p:nvPr/>
-        </p:nvPicPr>
-        <p:blipFill>
-          <a:blip r:embed="rId4"/>
-          <a:stretch>
-            <a:fillRect/>
-          </a:stretch>
-        </p:blipFill>
-        <p:spPr>
-          <a:xfrm>
             <a:off x="455208" y="401319"/>
             <a:ext cx="2358781" cy="579748"/>
           </a:xfrm>
@@ -5062,7 +5172,7 @@
           <p:nvPr/>
         </p:nvPicPr>
         <p:blipFill rotWithShape="1">
-          <a:blip r:embed="rId2"/>
+          <a:blip r:embed="rId1"/>
           <a:srcRect t="88348" r="72886"/>
           <a:stretch>
             <a:fillRect/>
@@ -5129,13 +5239,13 @@
   <p:clrMapOvr>
     <a:masterClrMapping/>
   </p:clrMapOvr>
-  <mc:AlternateContent xmlns:mc="http://schemas.openxmlformats.org/markup-compatibility/2006" xmlns:p14="http://schemas.microsoft.com/office/powerpoint/2010/main">
-    <mc:Choice Requires="p14">
+  <mc:AlternateContent xmlns:mc="http://schemas.openxmlformats.org/markup-compatibility/2006">
+    <mc:Choice xmlns:p14="http://schemas.microsoft.com/office/powerpoint/2010/main" Requires="p14">
       <p:transition spd="med" p14:dur="700">
         <p:fade/>
       </p:transition>
     </mc:Choice>
-    <mc:Fallback xmlns="">
+    <mc:Fallback>
       <p:transition spd="med">
         <p:fade/>
       </p:transition>
@@ -5395,8 +5505,6 @@
       </a:bgFillStyleLst>
     </a:fmtScheme>
   </a:themeElements>
-  <a:objectDefaults/>
-  <a:extraClrSchemeLst/>
   <a:extLst>
     <a:ext uri="{05A4C25C-085E-4340-85A3-A5531E510DB2}">
       <thm15:themeFamily xmlns:thm15="http://schemas.microsoft.com/office/thememl/2012/main" name="Office Theme" id="{62F939B6-93AF-4DB8-9C6B-D6C7DFDC589F}" vid="{4A3C46E8-61CC-4603-A589-7422A47A8E4A}"/>
@@ -5656,8 +5764,6 @@
       </a:bgFillStyleLst>
     </a:fmtScheme>
   </a:themeElements>
-  <a:objectDefaults/>
-  <a:extraClrSchemeLst/>
   <a:extLst>
     <a:ext uri="{05A4C25C-085E-4340-85A3-A5531E510DB2}">
       <thm15:themeFamily xmlns:thm15="http://schemas.microsoft.com/office/thememl/2012/main" name="Office Theme" id="{62F939B6-93AF-4DB8-9C6B-D6C7DFDC589F}" vid="{4A3C46E8-61CC-4603-A589-7422A47A8E4A}"/>
